--- a/warner-az-140-slides.pptx
+++ b/warner-az-140-slides.pptx
@@ -146,6 +146,9 @@
             <p14:sldId id="2134805731"/>
             <p14:sldId id="2134805739"/>
           </p14:sldIdLst>
+        </p14:section>
+        <p14:section name="CONTENT" id="{126BE6DA-D2DF-4786-AF9E-8242A571CFF5}">
+          <p14:sldIdLst/>
         </p14:section>
       </p14:sectionLst>
     </p:ext>
@@ -3196,7 +3199,7 @@
           <a:p>
             <a:fld id="{AE2FBFE4-0F8A-4B15-A914-6F6D88F104DE}" type="datetimeFigureOut">
               <a:rPr lang="en-US" smtClean="0"/>
-              <a:t>3/18/2023</a:t>
+              <a:t>4/3/2023</a:t>
             </a:fld>
             <a:endParaRPr lang="en-US"/>
           </a:p>
@@ -5488,7 +5491,7 @@
           <a:p>
             <a:fld id="{128B0A6C-EF38-9441-ADBF-8FE45FA6C46E}" type="datetimeFigureOut">
               <a:rPr lang="en-US" smtClean="0"/>
-              <a:t>3/18/2023</a:t>
+              <a:t>4/3/2023</a:t>
             </a:fld>
             <a:endParaRPr lang="en-US"/>
           </a:p>
@@ -6702,41 +6705,11 @@
           <a:p>
             <a:r>
               <a:rPr lang="en-US" dirty="0"/>
-              <a:t>Azure Solutions Architect Expert</a:t>
+              <a:t>Azure Virtual Desktop Specialty</a:t>
             </a:r>
           </a:p>
         </p:txBody>
       </p:sp>
-      <p:pic>
-        <p:nvPicPr>
-          <p:cNvPr id="4" name="Picture 3">
-            <a:extLst>
-              <a:ext uri="{FF2B5EF4-FFF2-40B4-BE49-F238E27FC236}">
-                <a16:creationId xmlns:a16="http://schemas.microsoft.com/office/drawing/2014/main" id="{4D441DC9-0D15-AF34-D2EC-D72651D04FDE}"/>
-              </a:ext>
-            </a:extLst>
-          </p:cNvPr>
-          <p:cNvPicPr>
-            <a:picLocks noChangeAspect="1"/>
-          </p:cNvPicPr>
-          <p:nvPr/>
-        </p:nvPicPr>
-        <p:blipFill>
-          <a:blip r:embed="rId3"/>
-          <a:stretch>
-            <a:fillRect/>
-          </a:stretch>
-        </p:blipFill>
-        <p:spPr>
-          <a:xfrm>
-            <a:off x="0" y="1907845"/>
-            <a:ext cx="9144000" cy="1327810"/>
-          </a:xfrm>
-          <a:prstGeom prst="rect">
-            <a:avLst/>
-          </a:prstGeom>
-        </p:spPr>
-      </p:pic>
       <p:sp>
         <p:nvSpPr>
           <p:cNvPr id="5" name="Rectangle: Rounded Corners 4">
@@ -6751,7 +6724,7 @@
         </p:nvSpPr>
         <p:spPr>
           <a:xfrm>
-            <a:off x="1959428" y="3611880"/>
+            <a:off x="1959428" y="3873137"/>
             <a:ext cx="5225143" cy="522514"/>
           </a:xfrm>
           <a:prstGeom prst="roundRect">
@@ -6759,14 +6732,14 @@
           </a:prstGeom>
         </p:spPr>
         <p:style>
-          <a:lnRef idx="1">
-            <a:schemeClr val="accent1"/>
+          <a:lnRef idx="3">
+            <a:schemeClr val="lt1"/>
           </a:lnRef>
-          <a:fillRef idx="3">
-            <a:schemeClr val="accent1"/>
+          <a:fillRef idx="1">
+            <a:schemeClr val="dk1"/>
           </a:fillRef>
-          <a:effectRef idx="2">
-            <a:schemeClr val="accent1"/>
+          <a:effectRef idx="1">
+            <a:schemeClr val="dk1"/>
           </a:effectRef>
           <a:fontRef idx="minor">
             <a:schemeClr val="lt1"/>
@@ -6798,7 +6771,7 @@
         </p:nvSpPr>
         <p:spPr>
           <a:xfrm>
-            <a:off x="1144371" y="857947"/>
+            <a:off x="3574972" y="1142969"/>
             <a:ext cx="1994053" cy="396607"/>
           </a:xfrm>
           <a:prstGeom prst="roundRect">
@@ -6826,58 +6799,41 @@
             <a:pPr algn="ctr"/>
             <a:r>
               <a:rPr lang="en-US" dirty="0"/>
-              <a:t>AZ-303</a:t>
+              <a:t>AZ-140</a:t>
             </a:r>
           </a:p>
         </p:txBody>
       </p:sp>
-      <p:sp>
-        <p:nvSpPr>
-          <p:cNvPr id="6" name="Rectangle: Rounded Corners 5">
+      <p:pic>
+        <p:nvPicPr>
+          <p:cNvPr id="8" name="Picture 7">
             <a:extLst>
               <a:ext uri="{FF2B5EF4-FFF2-40B4-BE49-F238E27FC236}">
-                <a16:creationId xmlns:a16="http://schemas.microsoft.com/office/drawing/2014/main" id="{E13B9AB9-6127-1C7A-2C89-5875EFFF4DA7}"/>
+                <a16:creationId xmlns:a16="http://schemas.microsoft.com/office/drawing/2014/main" id="{FB6E9D80-E64C-46A9-72FD-F5F71D1200E7}"/>
               </a:ext>
             </a:extLst>
           </p:cNvPr>
-          <p:cNvSpPr/>
+          <p:cNvPicPr>
+            <a:picLocks noChangeAspect="1"/>
+          </p:cNvPicPr>
           <p:nvPr/>
-        </p:nvSpPr>
+        </p:nvPicPr>
+        <p:blipFill>
+          <a:blip r:embed="rId3"/>
+          <a:stretch>
+            <a:fillRect/>
+          </a:stretch>
+        </p:blipFill>
         <p:spPr>
           <a:xfrm>
-            <a:off x="3921433" y="857947"/>
-            <a:ext cx="1994053" cy="396607"/>
+            <a:off x="848847" y="1889810"/>
+            <a:ext cx="7446306" cy="1563090"/>
           </a:xfrm>
-          <a:prstGeom prst="roundRect">
+          <a:prstGeom prst="rect">
             <a:avLst/>
           </a:prstGeom>
         </p:spPr>
-        <p:style>
-          <a:lnRef idx="3">
-            <a:schemeClr val="lt1"/>
-          </a:lnRef>
-          <a:fillRef idx="1">
-            <a:schemeClr val="dk1"/>
-          </a:fillRef>
-          <a:effectRef idx="1">
-            <a:schemeClr val="dk1"/>
-          </a:effectRef>
-          <a:fontRef idx="minor">
-            <a:schemeClr val="lt1"/>
-          </a:fontRef>
-        </p:style>
-        <p:txBody>
-          <a:bodyPr rtlCol="0" anchor="ctr"/>
-          <a:lstStyle/>
-          <a:p>
-            <a:pPr algn="ctr"/>
-            <a:r>
-              <a:rPr lang="en-US" dirty="0"/>
-              <a:t>AZ-304</a:t>
-            </a:r>
-          </a:p>
-        </p:txBody>
-      </p:sp>
+      </p:pic>
     </p:spTree>
     <p:extLst>
       <p:ext uri="{BB962C8B-B14F-4D97-AF65-F5344CB8AC3E}">
@@ -7530,16 +7486,15 @@
           </a:p>
           <a:p>
             <a:r>
-              <a:rPr lang="en-GB" dirty="0"/>
-              <a:t>Design identity, governance, and monitoring solutions (25-30%)</a:t>
-            </a:r>
-          </a:p>
-          <a:p>
-            <a:r>
-              <a:rPr lang="en-GB" dirty="0"/>
-              <a:t>Design data storage solutions (25-30%)</a:t>
-            </a:r>
-            <a:endParaRPr lang="en-US" dirty="0"/>
+              <a:rPr lang="en-US" dirty="0"/>
+              <a:t>Plan and implement an Azure Virtual Desktop infrastructure (40–45%)</a:t>
+            </a:r>
+          </a:p>
+          <a:p>
+            <a:r>
+              <a:rPr lang="en-US" dirty="0"/>
+              <a:t>Monitor and maintain an Azure Virtual Desktop infrastructure (10–15%)</a:t>
+            </a:r>
           </a:p>
         </p:txBody>
       </p:sp>
@@ -7630,46 +7585,19 @@
           <a:p>
             <a:r>
               <a:rPr lang="en-US" dirty="0"/>
-              <a:t>Design infrastructure solutions (25-30%)</a:t>
-            </a:r>
-          </a:p>
-          <a:p>
-            <a:pPr lvl="1"/>
+              <a:t>Plan and implement identity and security (15–20%)</a:t>
+            </a:r>
+          </a:p>
+          <a:p>
             <a:r>
               <a:rPr lang="en-US" dirty="0"/>
-              <a:t>VMs</a:t>
-            </a:r>
-          </a:p>
-          <a:p>
-            <a:pPr lvl="1"/>
+              <a:t>Plan and implement user environments and apps (20–25%)</a:t>
+            </a:r>
+          </a:p>
+          <a:p>
             <a:r>
               <a:rPr lang="en-US" dirty="0"/>
-              <a:t>Container</a:t>
-            </a:r>
-          </a:p>
-          <a:p>
-            <a:pPr lvl="1"/>
-            <a:r>
-              <a:rPr lang="en-US" dirty="0"/>
-              <a:t>App Service</a:t>
-            </a:r>
-          </a:p>
-          <a:p>
-            <a:r>
-              <a:rPr lang="en-US" dirty="0"/>
-              <a:t>Design business continuity solutions (10-15%)</a:t>
-            </a:r>
-          </a:p>
-          <a:p>
-            <a:r>
-              <a:rPr lang="en-US" dirty="0"/>
-              <a:t>Migration</a:t>
-            </a:r>
-          </a:p>
-          <a:p>
-            <a:r>
-              <a:rPr lang="en-US" dirty="0"/>
-              <a:t>Exam AZ-305 strategy </a:t>
+              <a:t>Exam AZ-140 strategy </a:t>
             </a:r>
           </a:p>
         </p:txBody>
@@ -7984,11 +7912,41 @@
           <a:p>
             <a:r>
               <a:rPr lang="en-US" dirty="0"/>
-              <a:t>Exam AZ-140 Latest OD Changes</a:t>
+              <a:t>Exam AZ-140 Latest Changes</a:t>
             </a:r>
           </a:p>
         </p:txBody>
       </p:sp>
+      <p:pic>
+        <p:nvPicPr>
+          <p:cNvPr id="4" name="Picture 3">
+            <a:extLst>
+              <a:ext uri="{FF2B5EF4-FFF2-40B4-BE49-F238E27FC236}">
+                <a16:creationId xmlns:a16="http://schemas.microsoft.com/office/drawing/2014/main" id="{D0D5590C-B61D-2258-DC36-9ADC06FF896A}"/>
+              </a:ext>
+            </a:extLst>
+          </p:cNvPr>
+          <p:cNvPicPr>
+            <a:picLocks noChangeAspect="1"/>
+          </p:cNvPicPr>
+          <p:nvPr/>
+        </p:nvPicPr>
+        <p:blipFill>
+          <a:blip r:embed="rId2"/>
+          <a:stretch>
+            <a:fillRect/>
+          </a:stretch>
+        </p:blipFill>
+        <p:spPr>
+          <a:xfrm>
+            <a:off x="2080011" y="732311"/>
+            <a:ext cx="4983977" cy="4258806"/>
+          </a:xfrm>
+          <a:prstGeom prst="rect">
+            <a:avLst/>
+          </a:prstGeom>
+        </p:spPr>
+      </p:pic>
     </p:spTree>
     <p:extLst>
       <p:ext uri="{BB962C8B-B14F-4D97-AF65-F5344CB8AC3E}">
@@ -8070,20 +8028,7 @@
           <a:p>
             <a:r>
               <a:rPr lang="en-US" dirty="0"/>
-              <a:t>We'll learn by doing – majority demo</a:t>
-            </a:r>
-          </a:p>
-          <a:p>
-            <a:pPr lvl="1"/>
-            <a:r>
-              <a:rPr lang="en-US" dirty="0"/>
-              <a:t>Visual, case study approach</a:t>
-            </a:r>
-          </a:p>
-          <a:p>
-            <a:r>
-              <a:rPr lang="en-US" dirty="0"/>
-              <a:t>This is an expert certification, so we move quickly and assume intermediate-level Azure skills</a:t>
+              <a:t>This is a “Specialty” certification, so we move quickly and assume intermediate-level Azure skills</a:t>
             </a:r>
           </a:p>
           <a:p>
